--- a/PPT.pptx
+++ b/PPT.pptx
@@ -133,41 +133,59 @@
           </c:tx>
           <c:cat>
             <c:strRef>
-              <c:f>Sheet1!$A$2:$A$5</c:f>
+              <c:f>Sheet1!$A$2:$A$8</c:f>
               <c:strCache>
-                <c:ptCount val="4"/>
+                <c:ptCount val="7"/>
                 <c:pt idx="0">
-                  <c:v>Mercado</c:v>
+                  <c:v>Alimentação</c:v>
                 </c:pt>
                 <c:pt idx="1">
-                  <c:v>Bar</c:v>
+                  <c:v>Saúde</c:v>
                 </c:pt>
                 <c:pt idx="2">
-                  <c:v>Carro</c:v>
+                  <c:v>Entretenimento</c:v>
                 </c:pt>
                 <c:pt idx="3">
-                  <c:v>Restaurante</c:v>
+                  <c:v>Transporte</c:v>
+                </c:pt>
+                <c:pt idx="4">
+                  <c:v>Educação</c:v>
+                </c:pt>
+                <c:pt idx="5">
+                  <c:v>Vestuário</c:v>
+                </c:pt>
+                <c:pt idx="6">
+                  <c:v>Beleza</c:v>
                 </c:pt>
               </c:strCache>
             </c:strRef>
           </c:cat>
           <c:val>
             <c:numRef>
-              <c:f>Sheet1!$B$2:$B$5</c:f>
+              <c:f>Sheet1!$B$2:$B$8</c:f>
               <c:numCache>
                 <c:formatCode>General</c:formatCode>
-                <c:ptCount val="4"/>
+                <c:ptCount val="7"/>
                 <c:pt idx="0">
-                  <c:v>1075</c:v>
+                  <c:v>1225</c:v>
                 </c:pt>
                 <c:pt idx="1">
-                  <c:v>360</c:v>
+                  <c:v>345</c:v>
                 </c:pt>
                 <c:pt idx="2">
-                  <c:v>560</c:v>
+                  <c:v>60</c:v>
                 </c:pt>
                 <c:pt idx="3">
-                  <c:v>60</c:v>
+                  <c:v>260</c:v>
+                </c:pt>
+                <c:pt idx="4">
+                  <c:v>95</c:v>
+                </c:pt>
+                <c:pt idx="5">
+                  <c:v>350</c:v>
+                </c:pt>
+                <c:pt idx="6">
+                  <c:v>320</c:v>
                 </c:pt>
               </c:numCache>
             </c:numRef>
@@ -3274,7 +3292,7 @@
               </a:defRPr>
             </a:pPr>
             <a:r>
-              <a:t>09.03.2023</a:t>
+              <a:t>13.03.2023</a:t>
             </a:r>
           </a:p>
         </p:txBody>
@@ -3376,7 +3394,7 @@
               </a:defRPr>
             </a:pPr>
             <a:r>
-              <a:t>R$:2055</a:t>
+              <a:t>R$:2655</a:t>
             </a:r>
           </a:p>
         </p:txBody>
@@ -3424,7 +3442,7 @@
               </a:defRPr>
             </a:pPr>
             <a:r>
-              <a:t>01/03/2023 - 08/03/2023</a:t>
+              <a:t>01/03/2023 - 30/03/2023</a:t>
             </a:r>
           </a:p>
         </p:txBody>
@@ -3472,7 +3490,7 @@
               </a:defRPr>
             </a:pPr>
             <a:r>
-              <a:t>Mercado - 1075</a:t>
+              <a:t>Alimentação - 1225</a:t>
             </a:r>
           </a:p>
         </p:txBody>
